--- a/WebProject.pptx
+++ b/WebProject.pptx
@@ -5,7 +5,7 @@
     <p:sldMasterId id="2147483678" r:id="rId1"/>
   </p:sldMasterIdLst>
   <p:notesMasterIdLst>
-    <p:notesMasterId r:id="rId21"/>
+    <p:notesMasterId r:id="rId20"/>
   </p:notesMasterIdLst>
   <p:sldIdLst>
     <p:sldId id="256" r:id="rId2"/>
@@ -23,31 +23,30 @@
     <p:sldId id="298" r:id="rId14"/>
     <p:sldId id="301" r:id="rId15"/>
     <p:sldId id="299" r:id="rId16"/>
-    <p:sldId id="300" r:id="rId17"/>
-    <p:sldId id="286" r:id="rId18"/>
-    <p:sldId id="302" r:id="rId19"/>
-    <p:sldId id="284" r:id="rId20"/>
+    <p:sldId id="286" r:id="rId17"/>
+    <p:sldId id="302" r:id="rId18"/>
+    <p:sldId id="284" r:id="rId19"/>
   </p:sldIdLst>
   <p:sldSz cx="9144000" cy="5143500" type="screen16x9"/>
   <p:notesSz cx="6858000" cy="9144000"/>
   <p:embeddedFontLst>
     <p:embeddedFont>
-      <p:font typeface="Playfair Display" panose="020B0604020202020204" charset="-52"/>
-      <p:regular r:id="rId22"/>
-      <p:bold r:id="rId23"/>
-      <p:italic r:id="rId24"/>
-      <p:boldItalic r:id="rId25"/>
+      <p:font typeface="Nunito" panose="020B0604020202020204" charset="-52"/>
+      <p:regular r:id="rId21"/>
+      <p:bold r:id="rId22"/>
+      <p:italic r:id="rId23"/>
+      <p:boldItalic r:id="rId24"/>
     </p:embeddedFont>
     <p:embeddedFont>
       <p:font typeface="Abril Fatface" panose="020B0604020202020204" charset="0"/>
-      <p:regular r:id="rId26"/>
+      <p:regular r:id="rId25"/>
     </p:embeddedFont>
     <p:embeddedFont>
-      <p:font typeface="Nunito" panose="020B0604020202020204" charset="-52"/>
-      <p:regular r:id="rId27"/>
-      <p:bold r:id="rId28"/>
-      <p:italic r:id="rId29"/>
-      <p:boldItalic r:id="rId30"/>
+      <p:font typeface="Playfair Display" panose="020B0604020202020204" charset="-52"/>
+      <p:regular r:id="rId26"/>
+      <p:bold r:id="rId27"/>
+      <p:italic r:id="rId28"/>
+      <p:boldItalic r:id="rId29"/>
     </p:embeddedFont>
   </p:embeddedFontLst>
   <p:defaultTextStyle>
@@ -1491,115 +1490,6 @@
   <p:cSld>
     <p:spTree>
       <p:nvGrpSpPr>
-        <p:cNvPr id="1" name="Shape 236"/>
-        <p:cNvGrpSpPr/>
-        <p:nvPr/>
-      </p:nvGrpSpPr>
-      <p:grpSpPr>
-        <a:xfrm>
-          <a:off x="0" y="0"/>
-          <a:ext cx="0" cy="0"/>
-          <a:chOff x="0" y="0"/>
-          <a:chExt cx="0" cy="0"/>
-        </a:xfrm>
-      </p:grpSpPr>
-      <p:sp>
-        <p:nvSpPr>
-          <p:cNvPr id="237" name="Google Shape;237;gf080b61eb8_1_56:notes"/>
-          <p:cNvSpPr>
-            <a:spLocks noGrp="1" noRot="1" noChangeAspect="1"/>
-          </p:cNvSpPr>
-          <p:nvPr>
-            <p:ph type="sldImg" idx="2"/>
-          </p:nvPr>
-        </p:nvSpPr>
-        <p:spPr>
-          <a:xfrm>
-            <a:off x="381000" y="685800"/>
-            <a:ext cx="6096000" cy="3429000"/>
-          </a:xfrm>
-          <a:custGeom>
-            <a:avLst/>
-            <a:gdLst/>
-            <a:ahLst/>
-            <a:cxnLst/>
-            <a:rect l="l" t="t" r="r" b="b"/>
-            <a:pathLst>
-              <a:path w="120000" h="120000" extrusionOk="0">
-                <a:moveTo>
-                  <a:pt x="0" y="0"/>
-                </a:moveTo>
-                <a:lnTo>
-                  <a:pt x="120000" y="0"/>
-                </a:lnTo>
-                <a:lnTo>
-                  <a:pt x="120000" y="120000"/>
-                </a:lnTo>
-                <a:lnTo>
-                  <a:pt x="0" y="120000"/>
-                </a:lnTo>
-                <a:close/>
-              </a:path>
-            </a:pathLst>
-          </a:custGeom>
-        </p:spPr>
-      </p:sp>
-      <p:sp>
-        <p:nvSpPr>
-          <p:cNvPr id="238" name="Google Shape;238;gf080b61eb8_1_56:notes"/>
-          <p:cNvSpPr txBox="1">
-            <a:spLocks noGrp="1"/>
-          </p:cNvSpPr>
-          <p:nvPr>
-            <p:ph type="body" idx="1"/>
-          </p:nvPr>
-        </p:nvSpPr>
-        <p:spPr>
-          <a:xfrm>
-            <a:off x="685800" y="4343400"/>
-            <a:ext cx="5486400" cy="4114800"/>
-          </a:xfrm>
-          <a:prstGeom prst="rect">
-            <a:avLst/>
-          </a:prstGeom>
-        </p:spPr>
-        <p:txBody>
-          <a:bodyPr spcFirstLastPara="1" wrap="square" lIns="91425" tIns="91425" rIns="91425" bIns="91425" anchor="t" anchorCtr="0">
-            <a:noAutofit/>
-          </a:bodyPr>
-          <a:lstStyle/>
-          <a:p>
-            <a:pPr marL="0" lvl="0" indent="0" algn="l" rtl="0">
-              <a:spcBef>
-                <a:spcPts val="0"/>
-              </a:spcBef>
-              <a:spcAft>
-                <a:spcPts val="0"/>
-              </a:spcAft>
-              <a:buNone/>
-            </a:pPr>
-            <a:endParaRPr/>
-          </a:p>
-        </p:txBody>
-      </p:sp>
-    </p:spTree>
-    <p:extLst>
-      <p:ext uri="{BB962C8B-B14F-4D97-AF65-F5344CB8AC3E}">
-        <p14:creationId xmlns:p14="http://schemas.microsoft.com/office/powerpoint/2010/main" val="891372499"/>
-      </p:ext>
-    </p:extLst>
-  </p:cSld>
-  <p:clrMapOvr>
-    <a:masterClrMapping/>
-  </p:clrMapOvr>
-</p:notes>
-</file>
-
-<file path=ppt/notesSlides/notesSlide17.xml><?xml version="1.0" encoding="utf-8"?>
-<p:notes xmlns:a="http://schemas.openxmlformats.org/drawingml/2006/main" xmlns:r="http://schemas.openxmlformats.org/officeDocument/2006/relationships" xmlns:p="http://schemas.openxmlformats.org/presentationml/2006/main" showMasterSp="0" showMasterPhAnim="0">
-  <p:cSld>
-    <p:spTree>
-      <p:nvGrpSpPr>
         <p:cNvPr id="1" name="Shape 823"/>
         <p:cNvGrpSpPr/>
         <p:nvPr/>
@@ -1699,7 +1589,7 @@
 </p:notes>
 </file>
 
-<file path=ppt/notesSlides/notesSlide18.xml><?xml version="1.0" encoding="utf-8"?>
+<file path=ppt/notesSlides/notesSlide17.xml><?xml version="1.0" encoding="utf-8"?>
 <p:notes xmlns:a="http://schemas.openxmlformats.org/drawingml/2006/main" xmlns:r="http://schemas.openxmlformats.org/officeDocument/2006/relationships" xmlns:p="http://schemas.openxmlformats.org/presentationml/2006/main" showMasterSp="0" showMasterPhAnim="0">
   <p:cSld>
     <p:spTree>
@@ -1808,7 +1698,7 @@
 </p:notes>
 </file>
 
-<file path=ppt/notesSlides/notesSlide19.xml><?xml version="1.0" encoding="utf-8"?>
+<file path=ppt/notesSlides/notesSlide18.xml><?xml version="1.0" encoding="utf-8"?>
 <p:notes xmlns:a="http://schemas.openxmlformats.org/drawingml/2006/main" xmlns:r="http://schemas.openxmlformats.org/officeDocument/2006/relationships" xmlns:p="http://schemas.openxmlformats.org/presentationml/2006/main" showMasterSp="0" showMasterPhAnim="0">
   <p:cSld>
     <p:spTree>
@@ -13482,374 +13372,6 @@
   <p:cSld>
     <p:spTree>
       <p:nvGrpSpPr>
-        <p:cNvPr id="1" name="Shape 239"/>
-        <p:cNvGrpSpPr/>
-        <p:nvPr/>
-      </p:nvGrpSpPr>
-      <p:grpSpPr>
-        <a:xfrm>
-          <a:off x="0" y="0"/>
-          <a:ext cx="0" cy="0"/>
-          <a:chOff x="0" y="0"/>
-          <a:chExt cx="0" cy="0"/>
-        </a:xfrm>
-      </p:grpSpPr>
-      <p:cxnSp>
-        <p:nvCxnSpPr>
-          <p:cNvPr id="242" name="Google Shape;242;p34"/>
-          <p:cNvCxnSpPr/>
-          <p:nvPr/>
-        </p:nvCxnSpPr>
-        <p:spPr>
-          <a:xfrm>
-            <a:off x="-331800" y="4868547"/>
-            <a:ext cx="6663300" cy="0"/>
-          </a:xfrm>
-          <a:prstGeom prst="straightConnector1">
-            <a:avLst/>
-          </a:prstGeom>
-          <a:noFill/>
-          <a:ln w="19050" cap="flat" cmpd="sng">
-            <a:solidFill>
-              <a:schemeClr val="dk1"/>
-            </a:solidFill>
-            <a:prstDash val="solid"/>
-            <a:round/>
-            <a:headEnd type="none" w="med" len="med"/>
-            <a:tailEnd type="none" w="med" len="med"/>
-          </a:ln>
-        </p:spPr>
-      </p:cxnSp>
-      <p:sp>
-        <p:nvSpPr>
-          <p:cNvPr id="9" name="Google Shape;436;p47"/>
-          <p:cNvSpPr txBox="1">
-            <a:spLocks/>
-          </p:cNvSpPr>
-          <p:nvPr/>
-        </p:nvSpPr>
-        <p:spPr>
-          <a:xfrm>
-            <a:off x="452438" y="173505"/>
-            <a:ext cx="7772400" cy="572700"/>
-          </a:xfrm>
-          <a:prstGeom prst="rect">
-            <a:avLst/>
-          </a:prstGeom>
-          <a:noFill/>
-          <a:ln>
-            <a:noFill/>
-          </a:ln>
-        </p:spPr>
-        <p:txBody>
-          <a:bodyPr spcFirstLastPara="1" wrap="square" lIns="91425" tIns="91425" rIns="91425" bIns="91425" anchor="t" anchorCtr="0">
-            <a:noAutofit/>
-          </a:bodyPr>
-          <a:lstStyle>
-            <a:defPPr marR="0" lvl="0" algn="l" rtl="0">
-              <a:lnSpc>
-                <a:spcPct val="100000"/>
-              </a:lnSpc>
-              <a:spcBef>
-                <a:spcPts val="0"/>
-              </a:spcBef>
-              <a:spcAft>
-                <a:spcPts val="0"/>
-              </a:spcAft>
-            </a:defPPr>
-            <a:lvl1pPr marR="0" lvl="0" algn="l" rtl="0">
-              <a:lnSpc>
-                <a:spcPct val="100000"/>
-              </a:lnSpc>
-              <a:spcBef>
-                <a:spcPts val="0"/>
-              </a:spcBef>
-              <a:spcAft>
-                <a:spcPts val="0"/>
-              </a:spcAft>
-              <a:buClr>
-                <a:schemeClr val="dk1"/>
-              </a:buClr>
-              <a:buSzPts val="3500"/>
-              <a:buFont typeface="Abril Fatface"/>
-              <a:buNone/>
-              <a:defRPr sz="3500" b="1" i="0" u="none" strike="noStrike" cap="none">
-                <a:solidFill>
-                  <a:schemeClr val="dk1"/>
-                </a:solidFill>
-                <a:latin typeface="Abril Fatface"/>
-                <a:ea typeface="Abril Fatface"/>
-                <a:cs typeface="Abril Fatface"/>
-                <a:sym typeface="Abril Fatface"/>
-              </a:defRPr>
-            </a:lvl1pPr>
-            <a:lvl2pPr marR="0" lvl="1" algn="l" rtl="0">
-              <a:lnSpc>
-                <a:spcPct val="100000"/>
-              </a:lnSpc>
-              <a:spcBef>
-                <a:spcPts val="0"/>
-              </a:spcBef>
-              <a:spcAft>
-                <a:spcPts val="0"/>
-              </a:spcAft>
-              <a:buClr>
-                <a:schemeClr val="dk1"/>
-              </a:buClr>
-              <a:buSzPts val="3500"/>
-              <a:buFont typeface="Abril Fatface"/>
-              <a:buNone/>
-              <a:defRPr sz="3500" b="0" i="0" u="none" strike="noStrike" cap="none">
-                <a:solidFill>
-                  <a:schemeClr val="dk1"/>
-                </a:solidFill>
-                <a:latin typeface="Abril Fatface"/>
-                <a:ea typeface="Abril Fatface"/>
-                <a:cs typeface="Abril Fatface"/>
-                <a:sym typeface="Abril Fatface"/>
-              </a:defRPr>
-            </a:lvl2pPr>
-            <a:lvl3pPr marR="0" lvl="2" algn="l" rtl="0">
-              <a:lnSpc>
-                <a:spcPct val="100000"/>
-              </a:lnSpc>
-              <a:spcBef>
-                <a:spcPts val="0"/>
-              </a:spcBef>
-              <a:spcAft>
-                <a:spcPts val="0"/>
-              </a:spcAft>
-              <a:buClr>
-                <a:schemeClr val="dk1"/>
-              </a:buClr>
-              <a:buSzPts val="3500"/>
-              <a:buFont typeface="Abril Fatface"/>
-              <a:buNone/>
-              <a:defRPr sz="3500" b="0" i="0" u="none" strike="noStrike" cap="none">
-                <a:solidFill>
-                  <a:schemeClr val="dk1"/>
-                </a:solidFill>
-                <a:latin typeface="Abril Fatface"/>
-                <a:ea typeface="Abril Fatface"/>
-                <a:cs typeface="Abril Fatface"/>
-                <a:sym typeface="Abril Fatface"/>
-              </a:defRPr>
-            </a:lvl3pPr>
-            <a:lvl4pPr marR="0" lvl="3" algn="l" rtl="0">
-              <a:lnSpc>
-                <a:spcPct val="100000"/>
-              </a:lnSpc>
-              <a:spcBef>
-                <a:spcPts val="0"/>
-              </a:spcBef>
-              <a:spcAft>
-                <a:spcPts val="0"/>
-              </a:spcAft>
-              <a:buClr>
-                <a:schemeClr val="dk1"/>
-              </a:buClr>
-              <a:buSzPts val="3500"/>
-              <a:buFont typeface="Abril Fatface"/>
-              <a:buNone/>
-              <a:defRPr sz="3500" b="0" i="0" u="none" strike="noStrike" cap="none">
-                <a:solidFill>
-                  <a:schemeClr val="dk1"/>
-                </a:solidFill>
-                <a:latin typeface="Abril Fatface"/>
-                <a:ea typeface="Abril Fatface"/>
-                <a:cs typeface="Abril Fatface"/>
-                <a:sym typeface="Abril Fatface"/>
-              </a:defRPr>
-            </a:lvl4pPr>
-            <a:lvl5pPr marR="0" lvl="4" algn="l" rtl="0">
-              <a:lnSpc>
-                <a:spcPct val="100000"/>
-              </a:lnSpc>
-              <a:spcBef>
-                <a:spcPts val="0"/>
-              </a:spcBef>
-              <a:spcAft>
-                <a:spcPts val="0"/>
-              </a:spcAft>
-              <a:buClr>
-                <a:schemeClr val="dk1"/>
-              </a:buClr>
-              <a:buSzPts val="3500"/>
-              <a:buFont typeface="Abril Fatface"/>
-              <a:buNone/>
-              <a:defRPr sz="3500" b="0" i="0" u="none" strike="noStrike" cap="none">
-                <a:solidFill>
-                  <a:schemeClr val="dk1"/>
-                </a:solidFill>
-                <a:latin typeface="Abril Fatface"/>
-                <a:ea typeface="Abril Fatface"/>
-                <a:cs typeface="Abril Fatface"/>
-                <a:sym typeface="Abril Fatface"/>
-              </a:defRPr>
-            </a:lvl5pPr>
-            <a:lvl6pPr marR="0" lvl="5" algn="l" rtl="0">
-              <a:lnSpc>
-                <a:spcPct val="100000"/>
-              </a:lnSpc>
-              <a:spcBef>
-                <a:spcPts val="0"/>
-              </a:spcBef>
-              <a:spcAft>
-                <a:spcPts val="0"/>
-              </a:spcAft>
-              <a:buClr>
-                <a:schemeClr val="dk1"/>
-              </a:buClr>
-              <a:buSzPts val="3500"/>
-              <a:buFont typeface="Abril Fatface"/>
-              <a:buNone/>
-              <a:defRPr sz="3500" b="0" i="0" u="none" strike="noStrike" cap="none">
-                <a:solidFill>
-                  <a:schemeClr val="dk1"/>
-                </a:solidFill>
-                <a:latin typeface="Abril Fatface"/>
-                <a:ea typeface="Abril Fatface"/>
-                <a:cs typeface="Abril Fatface"/>
-                <a:sym typeface="Abril Fatface"/>
-              </a:defRPr>
-            </a:lvl6pPr>
-            <a:lvl7pPr marR="0" lvl="6" algn="l" rtl="0">
-              <a:lnSpc>
-                <a:spcPct val="100000"/>
-              </a:lnSpc>
-              <a:spcBef>
-                <a:spcPts val="0"/>
-              </a:spcBef>
-              <a:spcAft>
-                <a:spcPts val="0"/>
-              </a:spcAft>
-              <a:buClr>
-                <a:schemeClr val="dk1"/>
-              </a:buClr>
-              <a:buSzPts val="3500"/>
-              <a:buFont typeface="Abril Fatface"/>
-              <a:buNone/>
-              <a:defRPr sz="3500" b="0" i="0" u="none" strike="noStrike" cap="none">
-                <a:solidFill>
-                  <a:schemeClr val="dk1"/>
-                </a:solidFill>
-                <a:latin typeface="Abril Fatface"/>
-                <a:ea typeface="Abril Fatface"/>
-                <a:cs typeface="Abril Fatface"/>
-                <a:sym typeface="Abril Fatface"/>
-              </a:defRPr>
-            </a:lvl7pPr>
-            <a:lvl8pPr marR="0" lvl="7" algn="l" rtl="0">
-              <a:lnSpc>
-                <a:spcPct val="100000"/>
-              </a:lnSpc>
-              <a:spcBef>
-                <a:spcPts val="0"/>
-              </a:spcBef>
-              <a:spcAft>
-                <a:spcPts val="0"/>
-              </a:spcAft>
-              <a:buClr>
-                <a:schemeClr val="dk1"/>
-              </a:buClr>
-              <a:buSzPts val="3500"/>
-              <a:buFont typeface="Abril Fatface"/>
-              <a:buNone/>
-              <a:defRPr sz="3500" b="0" i="0" u="none" strike="noStrike" cap="none">
-                <a:solidFill>
-                  <a:schemeClr val="dk1"/>
-                </a:solidFill>
-                <a:latin typeface="Abril Fatface"/>
-                <a:ea typeface="Abril Fatface"/>
-                <a:cs typeface="Abril Fatface"/>
-                <a:sym typeface="Abril Fatface"/>
-              </a:defRPr>
-            </a:lvl8pPr>
-            <a:lvl9pPr marR="0" lvl="8" algn="l" rtl="0">
-              <a:lnSpc>
-                <a:spcPct val="100000"/>
-              </a:lnSpc>
-              <a:spcBef>
-                <a:spcPts val="0"/>
-              </a:spcBef>
-              <a:spcAft>
-                <a:spcPts val="0"/>
-              </a:spcAft>
-              <a:buClr>
-                <a:schemeClr val="dk1"/>
-              </a:buClr>
-              <a:buSzPts val="3500"/>
-              <a:buFont typeface="Abril Fatface"/>
-              <a:buNone/>
-              <a:defRPr sz="3500" b="0" i="0" u="none" strike="noStrike" cap="none">
-                <a:solidFill>
-                  <a:schemeClr val="dk1"/>
-                </a:solidFill>
-                <a:latin typeface="Abril Fatface"/>
-                <a:ea typeface="Abril Fatface"/>
-                <a:cs typeface="Abril Fatface"/>
-                <a:sym typeface="Abril Fatface"/>
-              </a:defRPr>
-            </a:lvl9pPr>
-          </a:lstStyle>
-          <a:p>
-            <a:r>
-              <a:rPr lang="ru-RU" dirty="0" smtClean="0"/>
-              <a:t>Страница темы</a:t>
-            </a:r>
-            <a:endParaRPr lang="ru-RU" dirty="0"/>
-          </a:p>
-        </p:txBody>
-      </p:sp>
-      <p:pic>
-        <p:nvPicPr>
-          <p:cNvPr id="3" name="Рисунок 2"/>
-          <p:cNvPicPr>
-            <a:picLocks noChangeAspect="1"/>
-          </p:cNvPicPr>
-          <p:nvPr/>
-        </p:nvPicPr>
-        <p:blipFill>
-          <a:blip r:embed="rId3"/>
-          <a:stretch>
-            <a:fillRect/>
-          </a:stretch>
-        </p:blipFill>
-        <p:spPr>
-          <a:xfrm>
-            <a:off x="1073577" y="1038801"/>
-            <a:ext cx="6530122" cy="3537149"/>
-          </a:xfrm>
-          <a:prstGeom prst="rect">
-            <a:avLst/>
-          </a:prstGeom>
-        </p:spPr>
-      </p:pic>
-    </p:spTree>
-    <p:extLst>
-      <p:ext uri="{BB962C8B-B14F-4D97-AF65-F5344CB8AC3E}">
-        <p14:creationId xmlns:p14="http://schemas.microsoft.com/office/powerpoint/2010/main" val="1687297200"/>
-      </p:ext>
-    </p:extLst>
-  </p:cSld>
-  <p:clrMapOvr>
-    <a:masterClrMapping/>
-  </p:clrMapOvr>
-  <p:timing>
-    <p:tnLst>
-      <p:par>
-        <p:cTn id="1" dur="indefinite" restart="never" nodeType="tmRoot"/>
-      </p:par>
-    </p:tnLst>
-  </p:timing>
-</p:sld>
-</file>
-
-<file path=ppt/slides/slide17.xml><?xml version="1.0" encoding="utf-8"?>
-<p:sld xmlns:a="http://schemas.openxmlformats.org/drawingml/2006/main" xmlns:r="http://schemas.openxmlformats.org/officeDocument/2006/relationships" xmlns:p="http://schemas.openxmlformats.org/presentationml/2006/main">
-  <p:cSld>
-    <p:spTree>
-      <p:nvGrpSpPr>
         <p:cNvPr id="1" name="Shape 826"/>
         <p:cNvGrpSpPr/>
         <p:nvPr/>
@@ -14363,7 +13885,7 @@
 </p:sld>
 </file>
 
-<file path=ppt/slides/slide18.xml><?xml version="1.0" encoding="utf-8"?>
+<file path=ppt/slides/slide17.xml><?xml version="1.0" encoding="utf-8"?>
 <p:sld xmlns:a="http://schemas.openxmlformats.org/drawingml/2006/main" xmlns:r="http://schemas.openxmlformats.org/officeDocument/2006/relationships" xmlns:p="http://schemas.openxmlformats.org/presentationml/2006/main">
   <p:cSld>
     <p:spTree>
@@ -14992,7 +14514,7 @@
 </p:sld>
 </file>
 
-<file path=ppt/slides/slide19.xml><?xml version="1.0" encoding="utf-8"?>
+<file path=ppt/slides/slide18.xml><?xml version="1.0" encoding="utf-8"?>
 <p:sld xmlns:a="http://schemas.openxmlformats.org/drawingml/2006/main" xmlns:r="http://schemas.openxmlformats.org/officeDocument/2006/relationships" xmlns:p="http://schemas.openxmlformats.org/presentationml/2006/main">
   <p:cSld>
     <p:spTree>
@@ -16599,7 +16121,7 @@
         </p:nvSpPr>
         <p:spPr>
           <a:xfrm>
-            <a:off x="1098349" y="1351624"/>
+            <a:off x="5594977" y="1340980"/>
             <a:ext cx="3485826" cy="572700"/>
           </a:xfrm>
           <a:prstGeom prst="rect">
@@ -16888,7 +16410,7 @@
         </p:nvSpPr>
         <p:spPr>
           <a:xfrm>
-            <a:off x="5569100" y="1340980"/>
+            <a:off x="1119450" y="1340980"/>
             <a:ext cx="3574900" cy="572700"/>
           </a:xfrm>
           <a:prstGeom prst="rect">
@@ -17152,10 +16674,10 @@
           </a:lstStyle>
           <a:p>
             <a:r>
-              <a:rPr lang="ru-RU" sz="2000" dirty="0" smtClean="0"/>
+              <a:rPr lang="ru-RU" sz="2400" dirty="0" smtClean="0"/>
               <a:t>Создание удобного и понятного интерфейса</a:t>
             </a:r>
-            <a:endParaRPr lang="ru-RU" sz="2000" dirty="0"/>
+            <a:endParaRPr lang="ru-RU" sz="2400" dirty="0"/>
           </a:p>
         </p:txBody>
       </p:sp>
